--- a/Energía térmica.pptx
+++ b/Energía térmica.pptx
@@ -14,7 +14,9 @@
     <p:sldId id="264" r:id="rId8"/>
     <p:sldId id="265" r:id="rId9"/>
     <p:sldId id="262" r:id="rId10"/>
-    <p:sldId id="261" r:id="rId11"/>
+    <p:sldId id="266" r:id="rId11"/>
+    <p:sldId id="267" r:id="rId12"/>
+    <p:sldId id="261" r:id="rId13"/>
   </p:sldIdLst>
   <p:sldSz cx="12192000" cy="6858000"/>
   <p:notesSz cx="6858000" cy="9144000"/>
@@ -113,6 +115,11 @@
       </a:defRPr>
     </a:lvl9pPr>
   </p:defaultTextStyle>
+  <p:extLst>
+    <p:ext uri="{EFAFB233-063F-42B5-8137-9DF3F51BA10A}">
+      <p15:sldGuideLst xmlns:p15="http://schemas.microsoft.com/office/powerpoint/2012/main"/>
+    </p:ext>
+  </p:extLst>
 </p:presentation>
 </file>
 
@@ -569,7 +576,7 @@
           <a:p>
             <a:fld id="{E864409A-F966-4B07-8C74-4F02D09D083C}" type="datetimeFigureOut">
               <a:rPr lang="es-CO" smtClean="0"/>
-              <a:t>15/05/2023</a:t>
+              <a:t>18/05/2023</a:t>
             </a:fld>
             <a:endParaRPr lang="es-CO"/>
           </a:p>
@@ -901,7 +908,7 @@
           <a:p>
             <a:fld id="{E864409A-F966-4B07-8C74-4F02D09D083C}" type="datetimeFigureOut">
               <a:rPr lang="es-CO" smtClean="0"/>
-              <a:t>15/05/2023</a:t>
+              <a:t>18/05/2023</a:t>
             </a:fld>
             <a:endParaRPr lang="es-CO"/>
           </a:p>
@@ -1097,7 +1104,7 @@
           <a:p>
             <a:fld id="{E864409A-F966-4B07-8C74-4F02D09D083C}" type="datetimeFigureOut">
               <a:rPr lang="es-CO" smtClean="0"/>
-              <a:t>15/05/2023</a:t>
+              <a:t>18/05/2023</a:t>
             </a:fld>
             <a:endParaRPr lang="es-CO"/>
           </a:p>
@@ -1367,7 +1374,7 @@
           <a:p>
             <a:fld id="{E864409A-F966-4B07-8C74-4F02D09D083C}" type="datetimeFigureOut">
               <a:rPr lang="es-CO" smtClean="0"/>
-              <a:t>15/05/2023</a:t>
+              <a:t>18/05/2023</a:t>
             </a:fld>
             <a:endParaRPr lang="es-CO"/>
           </a:p>
@@ -1795,7 +1802,7 @@
           <a:p>
             <a:fld id="{E864409A-F966-4B07-8C74-4F02D09D083C}" type="datetimeFigureOut">
               <a:rPr lang="es-CO" smtClean="0"/>
-              <a:t>15/05/2023</a:t>
+              <a:t>18/05/2023</a:t>
             </a:fld>
             <a:endParaRPr lang="es-CO"/>
           </a:p>
@@ -2345,7 +2352,7 @@
           <a:p>
             <a:fld id="{E864409A-F966-4B07-8C74-4F02D09D083C}" type="datetimeFigureOut">
               <a:rPr lang="es-CO" smtClean="0"/>
-              <a:t>15/05/2023</a:t>
+              <a:t>18/05/2023</a:t>
             </a:fld>
             <a:endParaRPr lang="es-CO"/>
           </a:p>
@@ -3135,7 +3142,7 @@
           <a:p>
             <a:fld id="{E864409A-F966-4B07-8C74-4F02D09D083C}" type="datetimeFigureOut">
               <a:rPr lang="es-CO" smtClean="0"/>
-              <a:t>15/05/2023</a:t>
+              <a:t>18/05/2023</a:t>
             </a:fld>
             <a:endParaRPr lang="es-CO"/>
           </a:p>
@@ -3314,7 +3321,7 @@
           <a:p>
             <a:fld id="{E864409A-F966-4B07-8C74-4F02D09D083C}" type="datetimeFigureOut">
               <a:rPr lang="es-CO" smtClean="0"/>
-              <a:t>15/05/2023</a:t>
+              <a:t>18/05/2023</a:t>
             </a:fld>
             <a:endParaRPr lang="es-CO"/>
           </a:p>
@@ -3498,7 +3505,7 @@
           <a:p>
             <a:fld id="{E864409A-F966-4B07-8C74-4F02D09D083C}" type="datetimeFigureOut">
               <a:rPr lang="es-CO" smtClean="0"/>
-              <a:t>15/05/2023</a:t>
+              <a:t>18/05/2023</a:t>
             </a:fld>
             <a:endParaRPr lang="es-CO"/>
           </a:p>
@@ -3673,7 +3680,7 @@
           <a:p>
             <a:fld id="{E864409A-F966-4B07-8C74-4F02D09D083C}" type="datetimeFigureOut">
               <a:rPr lang="es-CO" smtClean="0"/>
-              <a:t>15/05/2023</a:t>
+              <a:t>18/05/2023</a:t>
             </a:fld>
             <a:endParaRPr lang="es-CO"/>
           </a:p>
@@ -3923,7 +3930,7 @@
           <a:p>
             <a:fld id="{E864409A-F966-4B07-8C74-4F02D09D083C}" type="datetimeFigureOut">
               <a:rPr lang="es-CO" smtClean="0"/>
-              <a:t>15/05/2023</a:t>
+              <a:t>18/05/2023</a:t>
             </a:fld>
             <a:endParaRPr lang="es-CO"/>
           </a:p>
@@ -4160,7 +4167,7 @@
           <a:p>
             <a:fld id="{E864409A-F966-4B07-8C74-4F02D09D083C}" type="datetimeFigureOut">
               <a:rPr lang="es-CO" smtClean="0"/>
-              <a:t>15/05/2023</a:t>
+              <a:t>18/05/2023</a:t>
             </a:fld>
             <a:endParaRPr lang="es-CO"/>
           </a:p>
@@ -4545,7 +4552,7 @@
           <a:p>
             <a:fld id="{E864409A-F966-4B07-8C74-4F02D09D083C}" type="datetimeFigureOut">
               <a:rPr lang="es-CO" smtClean="0"/>
-              <a:t>15/05/2023</a:t>
+              <a:t>18/05/2023</a:t>
             </a:fld>
             <a:endParaRPr lang="es-CO"/>
           </a:p>
@@ -4663,7 +4670,7 @@
           <a:p>
             <a:fld id="{E864409A-F966-4B07-8C74-4F02D09D083C}" type="datetimeFigureOut">
               <a:rPr lang="es-CO" smtClean="0"/>
-              <a:t>15/05/2023</a:t>
+              <a:t>18/05/2023</a:t>
             </a:fld>
             <a:endParaRPr lang="es-CO"/>
           </a:p>
@@ -4758,7 +4765,7 @@
           <a:p>
             <a:fld id="{E864409A-F966-4B07-8C74-4F02D09D083C}" type="datetimeFigureOut">
               <a:rPr lang="es-CO" smtClean="0"/>
-              <a:t>15/05/2023</a:t>
+              <a:t>18/05/2023</a:t>
             </a:fld>
             <a:endParaRPr lang="es-CO"/>
           </a:p>
@@ -5011,7 +5018,7 @@
           <a:p>
             <a:fld id="{E864409A-F966-4B07-8C74-4F02D09D083C}" type="datetimeFigureOut">
               <a:rPr lang="es-CO" smtClean="0"/>
-              <a:t>15/05/2023</a:t>
+              <a:t>18/05/2023</a:t>
             </a:fld>
             <a:endParaRPr lang="es-CO"/>
           </a:p>
@@ -5280,7 +5287,7 @@
           <a:p>
             <a:fld id="{E864409A-F966-4B07-8C74-4F02D09D083C}" type="datetimeFigureOut">
               <a:rPr lang="es-CO" smtClean="0"/>
-              <a:t>15/05/2023</a:t>
+              <a:t>18/05/2023</a:t>
             </a:fld>
             <a:endParaRPr lang="es-CO"/>
           </a:p>
@@ -5683,7 +5690,7 @@
           <a:p>
             <a:fld id="{E864409A-F966-4B07-8C74-4F02D09D083C}" type="datetimeFigureOut">
               <a:rPr lang="es-CO" smtClean="0"/>
-              <a:t>15/05/2023</a:t>
+              <a:t>18/05/2023</a:t>
             </a:fld>
             <a:endParaRPr lang="es-CO"/>
           </a:p>
@@ -6202,6 +6209,401 @@
 <file path=ppt/slides/slide10.xml><?xml version="1.0" encoding="utf-8"?>
 <p:sld xmlns:a="http://schemas.openxmlformats.org/drawingml/2006/main" xmlns:r="http://schemas.openxmlformats.org/officeDocument/2006/relationships" xmlns:p="http://schemas.openxmlformats.org/presentationml/2006/main">
   <p:cSld>
+    <p:spTree>
+      <p:nvGrpSpPr>
+        <p:cNvPr id="1" name=""/>
+        <p:cNvGrpSpPr/>
+        <p:nvPr/>
+      </p:nvGrpSpPr>
+      <p:grpSpPr>
+        <a:xfrm>
+          <a:off x="0" y="0"/>
+          <a:ext cx="0" cy="0"/>
+          <a:chOff x="0" y="0"/>
+          <a:chExt cx="0" cy="0"/>
+        </a:xfrm>
+      </p:grpSpPr>
+      <p:sp>
+        <p:nvSpPr>
+          <p:cNvPr id="2" name="Título 1"/>
+          <p:cNvSpPr>
+            <a:spLocks noGrp="1"/>
+          </p:cNvSpPr>
+          <p:nvPr>
+            <p:ph type="title"/>
+          </p:nvPr>
+        </p:nvSpPr>
+        <p:spPr>
+          <a:xfrm>
+            <a:off x="765175" y="160337"/>
+            <a:ext cx="10394707" cy="1377387"/>
+          </a:xfrm>
+        </p:spPr>
+        <p:txBody>
+          <a:bodyPr/>
+          <a:lstStyle/>
+          <a:p>
+            <a:r>
+              <a:rPr lang="es-ES" dirty="0" smtClean="0"/>
+              <a:t>Como se </a:t>
+            </a:r>
+            <a:r>
+              <a:rPr lang="es-ES" smtClean="0"/>
+              <a:t>puede medir??</a:t>
+            </a:r>
+            <a:endParaRPr lang="es-CO" dirty="0"/>
+          </a:p>
+        </p:txBody>
+      </p:sp>
+      <p:sp>
+        <p:nvSpPr>
+          <p:cNvPr id="3" name="Marcador de texto 2"/>
+          <p:cNvSpPr>
+            <a:spLocks noGrp="1"/>
+          </p:cNvSpPr>
+          <p:nvPr>
+            <p:ph type="body" idx="1"/>
+          </p:nvPr>
+        </p:nvSpPr>
+        <p:spPr>
+          <a:xfrm>
+            <a:off x="765175" y="1664463"/>
+            <a:ext cx="10394707" cy="1639614"/>
+          </a:xfrm>
+        </p:spPr>
+        <p:txBody>
+          <a:bodyPr>
+            <a:normAutofit/>
+          </a:bodyPr>
+          <a:lstStyle/>
+          <a:p>
+            <a:r>
+              <a:rPr lang="es-ES" dirty="0">
+                <a:solidFill>
+                  <a:schemeClr val="tx1"/>
+                </a:solidFill>
+              </a:rPr>
+              <a:t>La energía térmica se mide a través de la temperatura. E T es la energía total de un objeto. es la energía cinética de un objeto</a:t>
+            </a:r>
+            <a:endParaRPr lang="es-CO" dirty="0">
+              <a:solidFill>
+                <a:schemeClr val="tx1"/>
+              </a:solidFill>
+            </a:endParaRPr>
+          </a:p>
+        </p:txBody>
+      </p:sp>
+      <p:sp>
+        <p:nvSpPr>
+          <p:cNvPr id="7" name="AutoShape 8" descr="El radiador del coche: qué es y sus funciones"/>
+          <p:cNvSpPr>
+            <a:spLocks noChangeAspect="1" noChangeArrowheads="1"/>
+          </p:cNvSpPr>
+          <p:nvPr/>
+        </p:nvSpPr>
+        <p:spPr bwMode="auto">
+          <a:xfrm>
+            <a:off x="155575" y="-144463"/>
+            <a:ext cx="304800" cy="304801"/>
+          </a:xfrm>
+          <a:prstGeom prst="rect">
+            <a:avLst/>
+          </a:prstGeom>
+          <a:noFill/>
+          <a:extLst>
+            <a:ext uri="{909E8E84-426E-40DD-AFC4-6F175D3DCCD1}">
+              <a14:hiddenFill xmlns:a14="http://schemas.microsoft.com/office/drawing/2010/main">
+                <a:solidFill>
+                  <a:srgbClr val="FFFFFF"/>
+                </a:solidFill>
+              </a14:hiddenFill>
+            </a:ext>
+          </a:extLst>
+        </p:spPr>
+        <p:txBody>
+          <a:bodyPr vert="horz" wrap="square" lIns="91440" tIns="45720" rIns="91440" bIns="45720" numCol="1" anchor="t" anchorCtr="0" compatLnSpc="1">
+            <a:prstTxWarp prst="textNoShape">
+              <a:avLst/>
+            </a:prstTxWarp>
+          </a:bodyPr>
+          <a:lstStyle/>
+          <a:p>
+            <a:endParaRPr lang="es-CO"/>
+          </a:p>
+        </p:txBody>
+      </p:sp>
+      <p:sp>
+        <p:nvSpPr>
+          <p:cNvPr id="8" name="AutoShape 10" descr="El radiador del coche: qué es y sus funciones"/>
+          <p:cNvSpPr>
+            <a:spLocks noChangeAspect="1" noChangeArrowheads="1"/>
+          </p:cNvSpPr>
+          <p:nvPr/>
+        </p:nvSpPr>
+        <p:spPr bwMode="auto">
+          <a:xfrm>
+            <a:off x="307975" y="7937"/>
+            <a:ext cx="304800" cy="304801"/>
+          </a:xfrm>
+          <a:prstGeom prst="rect">
+            <a:avLst/>
+          </a:prstGeom>
+          <a:noFill/>
+          <a:extLst>
+            <a:ext uri="{909E8E84-426E-40DD-AFC4-6F175D3DCCD1}">
+              <a14:hiddenFill xmlns:a14="http://schemas.microsoft.com/office/drawing/2010/main">
+                <a:solidFill>
+                  <a:srgbClr val="FFFFFF"/>
+                </a:solidFill>
+              </a14:hiddenFill>
+            </a:ext>
+          </a:extLst>
+        </p:spPr>
+        <p:txBody>
+          <a:bodyPr vert="horz" wrap="square" lIns="91440" tIns="45720" rIns="91440" bIns="45720" numCol="1" anchor="t" anchorCtr="0" compatLnSpc="1">
+            <a:prstTxWarp prst="textNoShape">
+              <a:avLst/>
+            </a:prstTxWarp>
+          </a:bodyPr>
+          <a:lstStyle/>
+          <a:p>
+            <a:endParaRPr lang="es-CO"/>
+          </a:p>
+        </p:txBody>
+      </p:sp>
+    </p:spTree>
+    <p:extLst>
+      <p:ext uri="{BB962C8B-B14F-4D97-AF65-F5344CB8AC3E}">
+        <p14:creationId xmlns:p14="http://schemas.microsoft.com/office/powerpoint/2010/main" val="1633167878"/>
+      </p:ext>
+    </p:extLst>
+  </p:cSld>
+  <p:clrMapOvr>
+    <a:masterClrMapping/>
+  </p:clrMapOvr>
+</p:sld>
+</file>
+
+<file path=ppt/slides/slide11.xml><?xml version="1.0" encoding="utf-8"?>
+<p:sld xmlns:a="http://schemas.openxmlformats.org/drawingml/2006/main" xmlns:r="http://schemas.openxmlformats.org/officeDocument/2006/relationships" xmlns:p="http://schemas.openxmlformats.org/presentationml/2006/main">
+  <p:cSld>
+    <p:spTree>
+      <p:nvGrpSpPr>
+        <p:cNvPr id="1" name=""/>
+        <p:cNvGrpSpPr/>
+        <p:nvPr/>
+      </p:nvGrpSpPr>
+      <p:grpSpPr>
+        <a:xfrm>
+          <a:off x="0" y="0"/>
+          <a:ext cx="0" cy="0"/>
+          <a:chOff x="0" y="0"/>
+          <a:chExt cx="0" cy="0"/>
+        </a:xfrm>
+      </p:grpSpPr>
+      <p:sp>
+        <p:nvSpPr>
+          <p:cNvPr id="2" name="Título 1"/>
+          <p:cNvSpPr>
+            <a:spLocks noGrp="1"/>
+          </p:cNvSpPr>
+          <p:nvPr>
+            <p:ph type="title"/>
+          </p:nvPr>
+        </p:nvSpPr>
+        <p:spPr>
+          <a:xfrm>
+            <a:off x="511630" y="0"/>
+            <a:ext cx="10394707" cy="1298319"/>
+          </a:xfrm>
+        </p:spPr>
+        <p:txBody>
+          <a:bodyPr/>
+          <a:lstStyle/>
+          <a:p>
+            <a:r>
+              <a:rPr lang="es-CO" dirty="0" smtClean="0">
+                <a:solidFill>
+                  <a:srgbClr val="FF0000"/>
+                </a:solidFill>
+              </a:rPr>
+              <a:t>Mecanismos </a:t>
+            </a:r>
+            <a:endParaRPr lang="es-CO" dirty="0">
+              <a:solidFill>
+                <a:srgbClr val="FF0000"/>
+              </a:solidFill>
+            </a:endParaRPr>
+          </a:p>
+        </p:txBody>
+      </p:sp>
+      <p:sp>
+        <p:nvSpPr>
+          <p:cNvPr id="3" name="Marcador de texto 2"/>
+          <p:cNvSpPr>
+            <a:spLocks noGrp="1"/>
+          </p:cNvSpPr>
+          <p:nvPr>
+            <p:ph type="body" idx="1"/>
+          </p:nvPr>
+        </p:nvSpPr>
+        <p:spPr>
+          <a:xfrm>
+            <a:off x="174171" y="1480457"/>
+            <a:ext cx="11314823" cy="4035440"/>
+          </a:xfrm>
+        </p:spPr>
+        <p:txBody>
+          <a:bodyPr>
+            <a:normAutofit fontScale="92500" lnSpcReduction="20000"/>
+          </a:bodyPr>
+          <a:lstStyle/>
+          <a:p>
+            <a:r>
+              <a:rPr lang="es-ES" dirty="0">
+                <a:solidFill>
+                  <a:schemeClr val="tx1"/>
+                </a:solidFill>
+              </a:rPr>
+              <a:t>Hay tres mecanismos fundamentales de </a:t>
+            </a:r>
+            <a:r>
+              <a:rPr lang="es-ES" dirty="0" smtClean="0">
+                <a:solidFill>
+                  <a:schemeClr val="tx1"/>
+                </a:solidFill>
+              </a:rPr>
+              <a:t>Transferencia térmica: </a:t>
+            </a:r>
+            <a:r>
+              <a:rPr lang="es-ES" dirty="0">
+                <a:solidFill>
+                  <a:schemeClr val="tx1"/>
+                </a:solidFill>
+              </a:rPr>
+              <a:t>conducción, convección y </a:t>
+            </a:r>
+            <a:r>
+              <a:rPr lang="es-ES" dirty="0" smtClean="0">
+                <a:solidFill>
+                  <a:schemeClr val="tx1"/>
+                </a:solidFill>
+              </a:rPr>
+              <a:t>radiación:</a:t>
+            </a:r>
+          </a:p>
+          <a:p>
+            <a:r>
+              <a:rPr lang="es-ES" b="1" dirty="0">
+                <a:solidFill>
+                  <a:schemeClr val="accent4"/>
+                </a:solidFill>
+              </a:rPr>
+              <a:t>Conducción</a:t>
+            </a:r>
+            <a:r>
+              <a:rPr lang="es-ES" dirty="0"/>
+              <a:t> </a:t>
+            </a:r>
+            <a:r>
+              <a:rPr lang="es-ES" dirty="0">
+                <a:solidFill>
+                  <a:schemeClr val="tx1"/>
+                </a:solidFill>
+              </a:rPr>
+              <a:t>es la transmisión de energía en forma de calor desde una parte de un cuerpo a otra del mismo cuerpo, o bien, desde un cuerpo a otro que esté en contacto físico con él, sin desplazamiento apreciable de las partículas del cuerpo.</a:t>
+            </a:r>
+          </a:p>
+          <a:p>
+            <a:r>
+              <a:rPr lang="es-ES" b="1" dirty="0" err="1" smtClean="0">
+                <a:solidFill>
+                  <a:schemeClr val="accent4"/>
+                </a:solidFill>
+              </a:rPr>
+              <a:t>Connveccion</a:t>
+            </a:r>
+            <a:r>
+              <a:rPr lang="es-ES" b="1" dirty="0"/>
+              <a:t>:</a:t>
+            </a:r>
+            <a:r>
+              <a:rPr lang="es-ES" dirty="0"/>
+              <a:t> </a:t>
+            </a:r>
+            <a:r>
+              <a:rPr lang="es-ES" dirty="0">
+                <a:solidFill>
+                  <a:schemeClr val="tx1"/>
+                </a:solidFill>
+              </a:rPr>
+              <a:t>es la transmisión de calor desde un punto a otro dentro de un fluido, un gas o un líquido, mediante la mezcla de una porción del fluido con otra. En la convección natural, el movimiento del fluido se debe totalmente a diferencias de densidad como resultado de diferencias de temperatura; en la convección forzada, el movimiento se produce por medios mecánicos. Cuando la velocidad forzada es relativamente baja, se debe entender que los factores de convección libre como las diferencias de temperatura y densidad, pueden tener una influencia importante.</a:t>
+            </a:r>
+          </a:p>
+          <a:p>
+            <a:r>
+              <a:rPr lang="es-ES" b="1" dirty="0" err="1" smtClean="0">
+                <a:solidFill>
+                  <a:schemeClr val="accent4"/>
+                </a:solidFill>
+              </a:rPr>
+              <a:t>Radiacion</a:t>
+            </a:r>
+            <a:r>
+              <a:rPr lang="es-ES" b="1" dirty="0" smtClean="0">
+                <a:solidFill>
+                  <a:schemeClr val="accent4"/>
+                </a:solidFill>
+              </a:rPr>
+              <a:t>:</a:t>
+            </a:r>
+            <a:r>
+              <a:rPr lang="es-ES" dirty="0">
+                <a:solidFill>
+                  <a:schemeClr val="tx1"/>
+                </a:solidFill>
+              </a:rPr>
+              <a:t> es la transmisión de energía térmica desde un cuerpo a otro, que no se encuentra en contacto con él, por medio del movimiento de ondas a través del </a:t>
+            </a:r>
+            <a:r>
+              <a:rPr lang="es-ES" dirty="0" smtClean="0">
+                <a:solidFill>
+                  <a:schemeClr val="tx1"/>
+                </a:solidFill>
+              </a:rPr>
+              <a:t>espacio</a:t>
+            </a:r>
+            <a:endParaRPr lang="es-ES" dirty="0">
+              <a:solidFill>
+                <a:schemeClr val="tx1"/>
+              </a:solidFill>
+            </a:endParaRPr>
+          </a:p>
+          <a:p>
+            <a:endParaRPr lang="es-CO" dirty="0">
+              <a:solidFill>
+                <a:schemeClr val="tx1"/>
+              </a:solidFill>
+            </a:endParaRPr>
+          </a:p>
+        </p:txBody>
+      </p:sp>
+    </p:spTree>
+    <p:extLst>
+      <p:ext uri="{BB962C8B-B14F-4D97-AF65-F5344CB8AC3E}">
+        <p14:creationId xmlns:p14="http://schemas.microsoft.com/office/powerpoint/2010/main" val="2424061401"/>
+      </p:ext>
+    </p:extLst>
+  </p:cSld>
+  <p:clrMapOvr>
+    <a:masterClrMapping/>
+  </p:clrMapOvr>
+</p:sld>
+</file>
+
+<file path=ppt/slides/slide12.xml><?xml version="1.0" encoding="utf-8"?>
+<p:sld xmlns:a="http://schemas.openxmlformats.org/drawingml/2006/main" xmlns:r="http://schemas.openxmlformats.org/officeDocument/2006/relationships" xmlns:p="http://schemas.openxmlformats.org/presentationml/2006/main">
+  <p:cSld>
     <p:bg>
       <p:bgPr>
         <a:blipFill dpi="0" rotWithShape="1">
